--- a/content/documents/MedComAnnualFYREPORT.pptx
+++ b/content/documents/MedComAnnualFYREPORT.pptx
@@ -197,7 +197,7 @@
           <a:p>
             <a:fld id="{349DE1D6-6D3E-48F2-9C1B-F548AB58CE16}" type="datetimeFigureOut">
               <a:rPr lang="en-US" smtClean="0"/>
-              <a:t>10/20/2016</a:t>
+              <a:t>11/28/2016</a:t>
             </a:fld>
             <a:endParaRPr lang="en-US"/>
           </a:p>
@@ -362,7 +362,7 @@
           <a:p>
             <a:fld id="{EDE960D0-49B9-4C0E-893B-E7A58CDC6ECD}" type="datetimeFigureOut">
               <a:rPr lang="en-US" smtClean="0"/>
-              <a:t>10/20/2016</a:t>
+              <a:t>11/28/2016</a:t>
             </a:fld>
             <a:endParaRPr lang="en-US"/>
           </a:p>
@@ -944,27 +944,19 @@
             </a:r>
             <a:r>
               <a:rPr lang="en-US" sz="1000" dirty="0"/>
-              <a:t>Services updated by:  COL </a:t>
+              <a:t>Services updated by:  </a:t>
             </a:r>
             <a:r>
               <a:rPr lang="en-US" sz="1000" dirty="0" smtClean="0"/>
-              <a:t>Lawrence, Program</a:t>
-            </a:r>
-            <a:r>
-              <a:rPr lang="en-US" sz="1000" baseline="0" dirty="0" smtClean="0"/>
-              <a:t> Manager</a:t>
-            </a:r>
-            <a:r>
-              <a:rPr lang="en-US" sz="1000" smtClean="0"/>
-              <a:t>, Technical, </a:t>
+              <a:t>MAJ </a:t>
+            </a:r>
+            <a:r>
+              <a:rPr lang="en-US" sz="1000" dirty="0" err="1" smtClean="0"/>
+              <a:t>Mullaney</a:t>
             </a:r>
             <a:r>
               <a:rPr lang="en-US" sz="1000" dirty="0" smtClean="0"/>
-              <a:t>Veterinary Services Portfolio, Army Public Health</a:t>
-            </a:r>
-            <a:r>
-              <a:rPr lang="en-US" sz="1000" baseline="0" dirty="0" smtClean="0"/>
-              <a:t> Center</a:t>
+              <a:t>, Veterinary Metrics Division Chief, Veterinary Services and Public Health Sanitation</a:t>
             </a:r>
             <a:endParaRPr lang="en-US" sz="1000" dirty="0"/>
           </a:p>
@@ -1146,9 +1138,6 @@
             </a:r>
           </a:p>
           <a:p>
-            <a:endParaRPr lang="en-US" sz="1000" dirty="0" smtClean="0"/>
-          </a:p>
-          <a:p>
             <a:r>
               <a:rPr lang="en-US" sz="1000" dirty="0" smtClean="0"/>
               <a:t>--Inpatient </a:t>
@@ -1355,40 +1344,42 @@
             <a:endParaRPr lang="en-US" sz="1000" dirty="0" smtClean="0"/>
           </a:p>
           <a:p>
-            <a:pPr marL="0" indent="0">
-              <a:buNone/>
-            </a:pPr>
             <a:r>
               <a:rPr lang="en-US" sz="1000" dirty="0" smtClean="0"/>
               <a:t>--Veterinary </a:t>
             </a:r>
             <a:r>
               <a:rPr lang="en-US" sz="1000" dirty="0"/>
-              <a:t>Services updated by:  COL </a:t>
-            </a:r>
-            <a:r>
-              <a:rPr lang="en-US" sz="1000" dirty="0" smtClean="0"/>
-              <a:t>Honadel, </a:t>
+              <a:t>Services updated by:  MAJ </a:t>
+            </a:r>
+            <a:r>
+              <a:rPr lang="en-US" sz="1000" dirty="0" err="1"/>
+              <a:t>Mullaney</a:t>
             </a:r>
             <a:r>
               <a:rPr lang="en-US" sz="1000" dirty="0"/>
-              <a:t>VC, </a:t>
-            </a:r>
-            <a:r>
-              <a:rPr lang="en-US" sz="1000" dirty="0" smtClean="0"/>
-              <a:t>Director, Veterinary Services Portfolio, Army Public Health</a:t>
-            </a:r>
-            <a:r>
-              <a:rPr lang="en-US" sz="1000" baseline="0" dirty="0" smtClean="0"/>
-              <a:t> Center</a:t>
-            </a:r>
-            <a:endParaRPr lang="en-US" sz="1000" dirty="0"/>
-          </a:p>
-          <a:p>
-            <a:pPr marL="0" indent="0">
+              <a:t>, Veterinary Metrics Division Chief, Veterinary Services and Public Health Sanitation</a:t>
+            </a:r>
+          </a:p>
+          <a:p>
+            <a:pPr marL="0" marR="0" indent="0" algn="l" defTabSz="914400" rtl="0" eaLnBrk="1" fontAlgn="auto" latinLnBrk="0" hangingPunct="1">
+              <a:lnSpc>
+                <a:spcPct val="100000"/>
+              </a:lnSpc>
+              <a:spcBef>
+                <a:spcPts val="0"/>
+              </a:spcBef>
+              <a:spcAft>
+                <a:spcPts val="0"/>
+              </a:spcAft>
+              <a:buClrTx/>
+              <a:buSzTx/>
+              <a:buFontTx/>
               <a:buNone/>
+              <a:tabLst/>
+              <a:defRPr/>
             </a:pPr>
-            <a:endParaRPr lang="en-US" sz="1000" dirty="0"/>
+            <a:endParaRPr lang="en-US" sz="1000" dirty="0" smtClean="0"/>
           </a:p>
           <a:p>
             <a:pPr marL="0" marR="0" indent="0" algn="l" defTabSz="914400" rtl="0" eaLnBrk="1" fontAlgn="auto" latinLnBrk="0" hangingPunct="1">
@@ -1757,7 +1748,7 @@
           <a:p>
             <a:fld id="{F346369E-0701-4F9B-BC2B-43160CB7CE30}" type="datetimeFigureOut">
               <a:rPr lang="en-US" smtClean="0"/>
-              <a:t>10/20/2016</a:t>
+              <a:t>11/28/2016</a:t>
             </a:fld>
             <a:endParaRPr lang="en-US"/>
           </a:p>
@@ -2043,7 +2034,7 @@
           <a:p>
             <a:fld id="{F346369E-0701-4F9B-BC2B-43160CB7CE30}" type="datetimeFigureOut">
               <a:rPr lang="en-US" smtClean="0"/>
-              <a:t>10/20/2016</a:t>
+              <a:t>11/28/2016</a:t>
             </a:fld>
             <a:endParaRPr lang="en-US"/>
           </a:p>
@@ -2253,7 +2244,7 @@
           <a:p>
             <a:fld id="{F346369E-0701-4F9B-BC2B-43160CB7CE30}" type="datetimeFigureOut">
               <a:rPr lang="en-US" smtClean="0"/>
-              <a:t>10/20/2016</a:t>
+              <a:t>11/28/2016</a:t>
             </a:fld>
             <a:endParaRPr lang="en-US"/>
           </a:p>
@@ -2463,7 +2454,7 @@
           <a:p>
             <a:fld id="{F346369E-0701-4F9B-BC2B-43160CB7CE30}" type="datetimeFigureOut">
               <a:rPr lang="en-US" smtClean="0"/>
-              <a:t>10/20/2016</a:t>
+              <a:t>11/28/2016</a:t>
             </a:fld>
             <a:endParaRPr lang="en-US"/>
           </a:p>
@@ -2788,7 +2779,7 @@
           <a:p>
             <a:fld id="{F346369E-0701-4F9B-BC2B-43160CB7CE30}" type="datetimeFigureOut">
               <a:rPr lang="en-US" smtClean="0"/>
-              <a:t>10/20/2016</a:t>
+              <a:t>11/28/2016</a:t>
             </a:fld>
             <a:endParaRPr lang="en-US"/>
           </a:p>
@@ -2998,7 +2989,7 @@
           <a:p>
             <a:fld id="{F346369E-0701-4F9B-BC2B-43160CB7CE30}" type="datetimeFigureOut">
               <a:rPr lang="en-US" smtClean="0"/>
-              <a:t>10/20/2016</a:t>
+              <a:t>11/28/2016</a:t>
             </a:fld>
             <a:endParaRPr lang="en-US"/>
           </a:p>
@@ -3274,7 +3265,7 @@
           <a:p>
             <a:fld id="{F346369E-0701-4F9B-BC2B-43160CB7CE30}" type="datetimeFigureOut">
               <a:rPr lang="en-US" smtClean="0"/>
-              <a:t>10/20/2016</a:t>
+              <a:t>11/28/2016</a:t>
             </a:fld>
             <a:endParaRPr lang="en-US"/>
           </a:p>
@@ -3600,7 +3591,7 @@
           <a:p>
             <a:fld id="{F346369E-0701-4F9B-BC2B-43160CB7CE30}" type="datetimeFigureOut">
               <a:rPr lang="en-US" smtClean="0"/>
-              <a:t>10/20/2016</a:t>
+              <a:t>11/28/2016</a:t>
             </a:fld>
             <a:endParaRPr lang="en-US"/>
           </a:p>
@@ -4066,7 +4057,7 @@
           <a:p>
             <a:fld id="{F346369E-0701-4F9B-BC2B-43160CB7CE30}" type="datetimeFigureOut">
               <a:rPr lang="en-US" smtClean="0"/>
-              <a:t>10/20/2016</a:t>
+              <a:t>11/28/2016</a:t>
             </a:fld>
             <a:endParaRPr lang="en-US"/>
           </a:p>
@@ -4216,7 +4207,7 @@
           <a:p>
             <a:fld id="{F346369E-0701-4F9B-BC2B-43160CB7CE30}" type="datetimeFigureOut">
               <a:rPr lang="en-US" smtClean="0"/>
-              <a:t>10/20/2016</a:t>
+              <a:t>11/28/2016</a:t>
             </a:fld>
             <a:endParaRPr lang="en-US"/>
           </a:p>
@@ -4335,7 +4326,7 @@
           <a:p>
             <a:fld id="{F346369E-0701-4F9B-BC2B-43160CB7CE30}" type="datetimeFigureOut">
               <a:rPr lang="en-US" smtClean="0"/>
-              <a:t>10/20/2016</a:t>
+              <a:t>11/28/2016</a:t>
             </a:fld>
             <a:endParaRPr lang="en-US"/>
           </a:p>
@@ -4659,7 +4650,7 @@
               <a:pPr algn="r" defTabSz="914485">
                 <a:defRPr/>
               </a:pPr>
-              <a:t>20-Oct-16</a:t>
+              <a:t>28-Nov-16</a:t>
             </a:fld>
             <a:endParaRPr lang="en-US" sz="900" dirty="0">
               <a:solidFill>
@@ -4859,7 +4850,7 @@
             </a:r>
             <a:r>
               <a:rPr lang="en-US" sz="1400" b="1" baseline="0" dirty="0" smtClean="0"/>
-              <a:t> Year 2015</a:t>
+              <a:t> Year 2016</a:t>
             </a:r>
           </a:p>
         </p:txBody>
@@ -5650,7 +5641,7 @@
           </p:nvSpPr>
           <p:spPr bwMode="auto">
             <a:xfrm>
-              <a:off x="1594497" y="2616728"/>
+              <a:off x="1594498" y="2616728"/>
               <a:ext cx="1581462" cy="676738"/>
             </a:xfrm>
             <a:prstGeom prst="rect">
@@ -5696,7 +5687,7 @@
               </a:pPr>
               <a:r>
                 <a:rPr lang="en-US" dirty="0" smtClean="0"/>
-                <a:t>16,436 Births</a:t>
+                <a:t>22,051 Births</a:t>
               </a:r>
             </a:p>
           </p:txBody>
@@ -5787,7 +5778,7 @@
               </a:pPr>
               <a:r>
                 <a:rPr lang="en-US" dirty="0" smtClean="0"/>
-                <a:t>18,634,689 Lab Services</a:t>
+                <a:t>18,628,449 Lab Services</a:t>
               </a:r>
             </a:p>
           </p:txBody>
@@ -5854,7 +5845,7 @@
               </a:pPr>
               <a:r>
                 <a:rPr lang="en-US" sz="1900" dirty="0" smtClean="0"/>
-                <a:t>4,023,959 </a:t>
+                <a:t>4,078,875 </a:t>
               </a:r>
             </a:p>
             <a:p>
@@ -5931,7 +5922,7 @@
               </a:pPr>
               <a:r>
                 <a:rPr lang="en-US" dirty="0" smtClean="0"/>
-                <a:t>19,094,904 Clinic Visits</a:t>
+                <a:t>19,312,927 Clinic Visits</a:t>
               </a:r>
             </a:p>
           </p:txBody>
@@ -5978,8 +5969,8 @@
           </p:nvSpPr>
           <p:spPr bwMode="auto">
             <a:xfrm>
-              <a:off x="5885624" y="2707677"/>
-              <a:ext cx="3005084" cy="623307"/>
+              <a:off x="5984145" y="2707677"/>
+              <a:ext cx="2808044" cy="623307"/>
             </a:xfrm>
             <a:prstGeom prst="rect">
               <a:avLst/>
@@ -6001,9 +5992,6 @@
               <a:pPr algn="ctr" defTabSz="914485"/>
               <a:r>
                 <a:rPr lang="en-US" b="1" dirty="0" smtClean="0">
-                  <a:solidFill>
-                    <a:srgbClr val="000000"/>
-                  </a:solidFill>
                   <a:effectLst>
                     <a:outerShdw blurRad="38100" dist="38100" dir="2700000" algn="tl">
                       <a:srgbClr val="000000">
@@ -6020,10 +6008,14 @@
               <a:r>
                 <a:rPr lang="en-US" dirty="0" smtClean="0">
                   <a:solidFill>
-                    <a:srgbClr val="000000"/>
+                    <a:srgbClr val="FFFF00"/>
                   </a:solidFill>
                 </a:rPr>
-                <a:t>  1,485,471 Immunizations</a:t>
+                <a:t>  </a:t>
+              </a:r>
+              <a:r>
+                <a:rPr lang="en-US" dirty="0" smtClean="0"/>
+                <a:t>412,727 Immunizations</a:t>
               </a:r>
               <a:r>
                 <a:rPr lang="en-US" sz="1200" kern="0" dirty="0" smtClean="0"/>
@@ -6095,7 +6087,7 @@
               </a:pPr>
               <a:r>
                 <a:rPr lang="en-US" dirty="0" smtClean="0"/>
-                <a:t>18,337,011 Prescriptions </a:t>
+                <a:t>18,463,217 Prescriptions </a:t>
               </a:r>
             </a:p>
           </p:txBody>
@@ -6322,8 +6314,16 @@
                 <a:defRPr/>
               </a:pPr>
               <a:r>
+                <a:rPr lang="en-US" sz="1900" dirty="0" smtClean="0">
+                  <a:solidFill>
+                    <a:srgbClr val="FFFF00"/>
+                  </a:solidFill>
+                </a:rPr>
+                <a:t> </a:t>
+              </a:r>
+              <a:r>
                 <a:rPr lang="en-US" sz="1900" dirty="0" smtClean="0"/>
-                <a:t> 389,721 Beds Occupied</a:t>
+                <a:t>387,316 Beds Occupied</a:t>
               </a:r>
               <a:endParaRPr lang="en-US" sz="1900" dirty="0"/>
             </a:p>
@@ -6339,7 +6339,7 @@
               </a:pPr>
               <a:r>
                 <a:rPr lang="en-US" sz="1900" dirty="0" smtClean="0"/>
-                <a:t>128,568 </a:t>
+                <a:t>124,533 </a:t>
               </a:r>
               <a:r>
                 <a:rPr lang="en-US" sz="1900" dirty="0"/>
@@ -6464,7 +6464,7 @@
               <a:pPr defTabSz="967041"/>
               <a:r>
                 <a:rPr lang="en-US" sz="1600" dirty="0" smtClean="0"/>
-                <a:t>2254 Soldiers &amp; Civilians</a:t>
+                <a:t>2175 Soldiers &amp; Civilians</a:t>
               </a:r>
               <a:endParaRPr lang="en-US" sz="1600" dirty="0"/>
             </a:p>
@@ -6521,7 +6521,11 @@
               </a:pPr>
               <a:r>
                 <a:rPr lang="en-US" dirty="0" smtClean="0"/>
-                <a:t>7,617,288 Services</a:t>
+                <a:t>7,635,821 </a:t>
+              </a:r>
+              <a:r>
+                <a:rPr lang="en-US" dirty="0" smtClean="0"/>
+                <a:t>Services</a:t>
               </a:r>
             </a:p>
           </p:txBody>
@@ -6563,7 +6567,7 @@
                   <a:srgbClr val="660033"/>
                 </a:solidFill>
               </a:rPr>
-              <a:t>Fiscal Year 2015 in Direct </a:t>
+              <a:t>Fiscal Year 2016 in Direct </a:t>
             </a:r>
             <a:r>
               <a:rPr lang="en-US" sz="3000" b="1" kern="0" dirty="0">
@@ -6819,7 +6823,7 @@
           <p:spPr bwMode="auto">
             <a:xfrm>
               <a:off x="1824377" y="2616728"/>
-              <a:ext cx="1121700" cy="676739"/>
+              <a:ext cx="1121701" cy="676738"/>
             </a:xfrm>
             <a:prstGeom prst="rect">
               <a:avLst/>
@@ -6864,7 +6868,7 @@
               </a:pPr>
               <a:r>
                 <a:rPr lang="en-US" dirty="0" smtClean="0"/>
-                <a:t>45 Births</a:t>
+                <a:t>60 Births</a:t>
               </a:r>
             </a:p>
           </p:txBody>
@@ -6955,7 +6959,7 @@
               </a:pPr>
               <a:r>
                 <a:rPr lang="en-US" dirty="0" smtClean="0"/>
-                <a:t>51,019 Lab Services</a:t>
+                <a:t>51,001 Lab Services</a:t>
               </a:r>
             </a:p>
           </p:txBody>
@@ -7022,7 +7026,7 @@
               </a:pPr>
               <a:r>
                 <a:rPr lang="en-US" sz="1900" dirty="0" smtClean="0"/>
-                <a:t>11,017 </a:t>
+                <a:t>11,167 </a:t>
               </a:r>
               <a:r>
                 <a:rPr lang="en-US" dirty="0" smtClean="0"/>
@@ -7089,7 +7093,7 @@
               </a:pPr>
               <a:r>
                 <a:rPr lang="en-US" dirty="0" smtClean="0"/>
-                <a:t>52,279 Clinic Visits</a:t>
+                <a:t>52,875 Clinic Visits</a:t>
               </a:r>
             </a:p>
           </p:txBody>
@@ -7181,7 +7185,7 @@
                     <a:srgbClr val="000000"/>
                   </a:solidFill>
                 </a:rPr>
-                <a:t>4,067 Immunizations</a:t>
+                <a:t>1,129 Immunizations</a:t>
               </a:r>
               <a:r>
                 <a:rPr lang="en-US" sz="1200" kern="0" dirty="0" smtClean="0"/>
@@ -7253,7 +7257,7 @@
               </a:pPr>
               <a:r>
                 <a:rPr lang="en-US" dirty="0" smtClean="0"/>
-                <a:t>50,204 Prescriptions </a:t>
+                <a:t>50,549 Prescriptions </a:t>
               </a:r>
             </a:p>
           </p:txBody>
@@ -7481,7 +7485,7 @@
               </a:pPr>
               <a:r>
                 <a:rPr lang="en-US" sz="1900" dirty="0" smtClean="0"/>
-                <a:t>  1,067 </a:t>
+                <a:t>  1,060 </a:t>
               </a:r>
               <a:r>
                 <a:rPr lang="en-US" sz="1900" dirty="0"/>
@@ -7500,7 +7504,7 @@
               </a:pPr>
               <a:r>
                 <a:rPr lang="en-US" sz="1900" dirty="0" smtClean="0"/>
-                <a:t>352 </a:t>
+                <a:t>340 </a:t>
               </a:r>
               <a:r>
                 <a:rPr lang="en-US" sz="1900" dirty="0"/>
@@ -7625,7 +7629,7 @@
               <a:pPr defTabSz="967041"/>
               <a:r>
                 <a:rPr lang="en-US" sz="1600" dirty="0" smtClean="0"/>
-                <a:t>534 Soldiers &amp; Civilians</a:t>
+                <a:t>6 Soldiers &amp; Civilians</a:t>
               </a:r>
               <a:endParaRPr lang="en-US" sz="1600" dirty="0"/>
             </a:p>
@@ -7682,7 +7686,11 @@
               </a:pPr>
               <a:r>
                 <a:rPr lang="en-US" dirty="0" smtClean="0"/>
-                <a:t>20,855 Services</a:t>
+                <a:t>20,905 </a:t>
+              </a:r>
+              <a:r>
+                <a:rPr lang="en-US" dirty="0" smtClean="0"/>
+                <a:t>Services</a:t>
               </a:r>
             </a:p>
           </p:txBody>
@@ -7719,23 +7727,15 @@
               <a:defRPr/>
             </a:pPr>
             <a:r>
-              <a:rPr lang="en-US" sz="2200" b="1" kern="0" dirty="0" smtClean="0">
+              <a:rPr lang="en-US" sz="3000" b="1" kern="0" dirty="0">
                 <a:solidFill>
                   <a:srgbClr val="660033"/>
                 </a:solidFill>
               </a:rPr>
-              <a:t>Fiscal Year 2015 - Average </a:t>
-            </a:r>
-            <a:r>
-              <a:rPr lang="en-US" sz="2200" b="1" kern="0" dirty="0">
-                <a:solidFill>
-                  <a:srgbClr val="660033"/>
-                </a:solidFill>
-              </a:rPr>
-              <a:t>Day in Direct Care </a:t>
-            </a:r>
-            <a:r>
-              <a:rPr lang="en-US" sz="2200" b="1" kern="0" dirty="0" smtClean="0">
+              <a:t>Average Day in Direct Care </a:t>
+            </a:r>
+            <a:r>
+              <a:rPr lang="en-US" sz="3000" b="1" kern="0" dirty="0" smtClean="0">
                 <a:solidFill>
                   <a:srgbClr val="660033"/>
                 </a:solidFill>
